--- a/수업교제/2학기/파이썬 기초 이론.pptx
+++ b/수업교제/2학기/파이썬 기초 이론.pptx
@@ -121,6 +121,35 @@
 </p:presentation>
 </file>
 
+<file path=ppt/changesInfos/changesInfo1.xml><?xml version="1.0" encoding="utf-8"?>
+<pc:chgInfo xmlns:a="http://schemas.openxmlformats.org/drawingml/2006/main" xmlns:r="http://schemas.openxmlformats.org/officeDocument/2006/relationships" xmlns:ac="http://schemas.microsoft.com/office/drawing/2013/main/command" xmlns:pc="http://schemas.microsoft.com/office/powerpoint/2013/main/command">
+  <pc:docChgLst>
+    <pc:chgData name="sang woo lee" userId="828cf36e0a7b2974" providerId="LiveId" clId="{54B282B1-742E-44C4-A598-8BFB62FAAA3F}"/>
+    <pc:docChg chg="modSld">
+      <pc:chgData name="sang woo lee" userId="828cf36e0a7b2974" providerId="LiveId" clId="{54B282B1-742E-44C4-A598-8BFB62FAAA3F}" dt="2024-08-27T12:57:11.447" v="6" actId="14100"/>
+      <pc:docMkLst>
+        <pc:docMk/>
+      </pc:docMkLst>
+      <pc:sldChg chg="modSp mod">
+        <pc:chgData name="sang woo lee" userId="828cf36e0a7b2974" providerId="LiveId" clId="{54B282B1-742E-44C4-A598-8BFB62FAAA3F}" dt="2024-08-27T12:57:11.447" v="6" actId="14100"/>
+        <pc:sldMkLst>
+          <pc:docMk/>
+          <pc:sldMk cId="2432300679" sldId="274"/>
+        </pc:sldMkLst>
+        <pc:spChg chg="mod">
+          <ac:chgData name="sang woo lee" userId="828cf36e0a7b2974" providerId="LiveId" clId="{54B282B1-742E-44C4-A598-8BFB62FAAA3F}" dt="2024-08-27T12:57:11.447" v="6" actId="14100"/>
+          <ac:spMkLst>
+            <pc:docMk/>
+            <pc:sldMk cId="2432300679" sldId="274"/>
+            <ac:spMk id="9" creationId="{5CDA922C-D4FB-81AE-D261-AE7F7E2E4528}"/>
+          </ac:spMkLst>
+        </pc:spChg>
+      </pc:sldChg>
+    </pc:docChg>
+  </pc:docChgLst>
+</pc:chgInfo>
+</file>
+
 <file path=ppt/slideLayouts/slideLayout1.xml><?xml version="1.0" encoding="utf-8"?>
 <p:sldLayout xmlns:a="http://schemas.openxmlformats.org/drawingml/2006/main" xmlns:r="http://schemas.openxmlformats.org/officeDocument/2006/relationships" xmlns:p="http://schemas.openxmlformats.org/presentationml/2006/main" showMasterSp="0" type="title" preserve="1">
   <p:cSld name="제목 슬라이드">
@@ -291,7 +320,7 @@
             <a:fld id="{87DE6118-2437-4B30-8E3C-4D2BE6020583}" type="datetimeFigureOut">
               <a:rPr lang="en-US" dirty="0"/>
               <a:pPr/>
-              <a:t>8/26/2024</a:t>
+              <a:t>8/27/2024</a:t>
             </a:fld>
             <a:endParaRPr lang="en-US" dirty="0"/>
           </a:p>
@@ -617,7 +646,7 @@
           <a:p>
             <a:fld id="{87DE6118-2437-4B30-8E3C-4D2BE6020583}" type="datetimeFigureOut">
               <a:rPr lang="en-US" dirty="0"/>
-              <a:t>8/26/2024</a:t>
+              <a:t>8/27/2024</a:t>
             </a:fld>
             <a:endParaRPr lang="en-US" dirty="0"/>
           </a:p>
@@ -792,7 +821,7 @@
           <a:p>
             <a:fld id="{87DE6118-2437-4B30-8E3C-4D2BE6020583}" type="datetimeFigureOut">
               <a:rPr lang="en-US" dirty="0"/>
-              <a:t>8/26/2024</a:t>
+              <a:t>8/27/2024</a:t>
             </a:fld>
             <a:endParaRPr lang="en-US" dirty="0"/>
           </a:p>
@@ -957,7 +986,7 @@
           <a:p>
             <a:fld id="{87DE6118-2437-4B30-8E3C-4D2BE6020583}" type="datetimeFigureOut">
               <a:rPr lang="en-US" dirty="0"/>
-              <a:t>8/26/2024</a:t>
+              <a:t>8/27/2024</a:t>
             </a:fld>
             <a:endParaRPr lang="en-US" dirty="0"/>
           </a:p>
@@ -1230,7 +1259,7 @@
             <a:fld id="{87DE6118-2437-4B30-8E3C-4D2BE6020583}" type="datetimeFigureOut">
               <a:rPr lang="en-US" dirty="0"/>
               <a:pPr/>
-              <a:t>8/26/2024</a:t>
+              <a:t>8/27/2024</a:t>
             </a:fld>
             <a:endParaRPr lang="en-US" dirty="0"/>
           </a:p>
@@ -1620,7 +1649,7 @@
           <a:p>
             <a:fld id="{87DE6118-2437-4B30-8E3C-4D2BE6020583}" type="datetimeFigureOut">
               <a:rPr lang="en-US" dirty="0"/>
-              <a:t>8/26/2024</a:t>
+              <a:t>8/27/2024</a:t>
             </a:fld>
             <a:endParaRPr lang="en-US" dirty="0"/>
           </a:p>
@@ -2092,7 +2121,7 @@
           <a:p>
             <a:fld id="{87DE6118-2437-4B30-8E3C-4D2BE6020583}" type="datetimeFigureOut">
               <a:rPr lang="en-US" dirty="0"/>
-              <a:t>8/26/2024</a:t>
+              <a:t>8/27/2024</a:t>
             </a:fld>
             <a:endParaRPr lang="en-US" dirty="0"/>
           </a:p>
@@ -2205,7 +2234,7 @@
           <a:p>
             <a:fld id="{87DE6118-2437-4B30-8E3C-4D2BE6020583}" type="datetimeFigureOut">
               <a:rPr lang="en-US" dirty="0"/>
-              <a:t>8/26/2024</a:t>
+              <a:t>8/27/2024</a:t>
             </a:fld>
             <a:endParaRPr lang="en-US" dirty="0"/>
           </a:p>
@@ -2295,7 +2324,7 @@
           <a:p>
             <a:fld id="{87DE6118-2437-4B30-8E3C-4D2BE6020583}" type="datetimeFigureOut">
               <a:rPr lang="en-US" dirty="0"/>
-              <a:t>8/26/2024</a:t>
+              <a:t>8/27/2024</a:t>
             </a:fld>
             <a:endParaRPr lang="en-US" dirty="0"/>
           </a:p>
@@ -2637,7 +2666,7 @@
             <a:fld id="{87DE6118-2437-4B30-8E3C-4D2BE6020583}" type="datetimeFigureOut">
               <a:rPr lang="en-US" dirty="0"/>
               <a:pPr/>
-              <a:t>8/26/2024</a:t>
+              <a:t>8/27/2024</a:t>
             </a:fld>
             <a:endParaRPr lang="en-US" dirty="0"/>
           </a:p>
@@ -3022,7 +3051,7 @@
             <a:fld id="{87DE6118-2437-4B30-8E3C-4D2BE6020583}" type="datetimeFigureOut">
               <a:rPr lang="en-US" dirty="0"/>
               <a:pPr/>
-              <a:t>8/26/2024</a:t>
+              <a:t>8/27/2024</a:t>
             </a:fld>
             <a:endParaRPr lang="en-US" dirty="0"/>
           </a:p>
@@ -3297,7 +3326,7 @@
             <a:fld id="{87DE6118-2437-4B30-8E3C-4D2BE6020583}" type="datetimeFigureOut">
               <a:rPr lang="en-US" dirty="0"/>
               <a:pPr/>
-              <a:t>8/26/2024</a:t>
+              <a:t>8/27/2024</a:t>
             </a:fld>
             <a:endParaRPr lang="en-US" dirty="0"/>
           </a:p>
@@ -3893,7 +3922,7 @@
         <p:push/>
       </p:transition>
     </mc:Choice>
-    <mc:Fallback xmlns="" xmlns:c="http://schemas.openxmlformats.org/drawingml/2006/chart" xmlns:dgm="http://schemas.openxmlformats.org/drawingml/2006/diagram" xmlns:dsp="http://schemas.microsoft.com/office/drawing/2008/diagram">
+    <mc:Fallback xmlns:dsp="http://schemas.microsoft.com/office/drawing/2008/diagram" xmlns:dgm="http://schemas.openxmlformats.org/drawingml/2006/diagram" xmlns:c="http://schemas.openxmlformats.org/drawingml/2006/chart" xmlns="">
       <p:transition xmlns:mc="http://schemas.openxmlformats.org/markup-compatibility/2006" xmlns:hp="http://schemas.haansoft.com/office/presentation/8.0" spd="med" mc:Ignorable="hp" hp:hslDur="1000">
         <p:fade/>
       </p:transition>
@@ -4449,8 +4478,8 @@
         </p:nvSpPr>
         <p:spPr>
           <a:xfrm>
-            <a:off x="1464243" y="4412957"/>
-            <a:ext cx="4599320" cy="369332"/>
+            <a:off x="1464242" y="4412957"/>
+            <a:ext cx="5565207" cy="369332"/>
           </a:xfrm>
           <a:prstGeom prst="rect">
             <a:avLst/>
@@ -4490,6 +4519,63 @@
                 <a:latin typeface="Consolas" panose="020B0609020204030204" pitchFamily="49" charset="0"/>
               </a:rPr>
               <a:t>‘</a:t>
+            </a:r>
+            <a:r>
+              <a:rPr lang="en-US" altLang="ko-KR" b="0" dirty="0">
+                <a:solidFill>
+                  <a:srgbClr val="CE9178"/>
+                </a:solidFill>
+                <a:effectLst/>
+                <a:latin typeface="Consolas" panose="020B0609020204030204" pitchFamily="49" charset="0"/>
+              </a:rPr>
+              <a:t>hello’,</a:t>
+            </a:r>
+            <a:r>
+              <a:rPr lang="en-US" altLang="ko-KR" dirty="0">
+                <a:solidFill>
+                  <a:srgbClr val="CE9178"/>
+                </a:solidFill>
+                <a:latin typeface="Consolas" panose="020B0609020204030204" pitchFamily="49" charset="0"/>
+              </a:rPr>
+              <a:t> ‘</a:t>
+            </a:r>
+            <a:r>
+              <a:rPr lang="en-US" altLang="ko-KR" b="0" dirty="0">
+                <a:solidFill>
+                  <a:srgbClr val="CE9178"/>
+                </a:solidFill>
+                <a:effectLst/>
+                <a:latin typeface="Consolas" panose="020B0609020204030204" pitchFamily="49" charset="0"/>
+              </a:rPr>
+              <a:t>hello’,</a:t>
+            </a:r>
+            <a:r>
+              <a:rPr lang="en-US" altLang="ko-KR" dirty="0">
+                <a:solidFill>
+                  <a:srgbClr val="CE9178"/>
+                </a:solidFill>
+                <a:latin typeface="Consolas" panose="020B0609020204030204" pitchFamily="49" charset="0"/>
+              </a:rPr>
+              <a:t> ‘</a:t>
+            </a:r>
+            <a:r>
+              <a:rPr lang="en-US" altLang="ko-KR" b="0" dirty="0">
+                <a:solidFill>
+                  <a:srgbClr val="CE9178"/>
+                </a:solidFill>
+                <a:effectLst/>
+                <a:latin typeface="Consolas" panose="020B0609020204030204" pitchFamily="49" charset="0"/>
+              </a:rPr>
+              <a:t>hello’,</a:t>
+            </a:r>
+            <a:r>
+              <a:rPr lang="en-US" altLang="ko-KR" dirty="0">
+                <a:solidFill>
+                  <a:srgbClr val="CE9178"/>
+                </a:solidFill>
+                <a:latin typeface="Consolas" panose="020B0609020204030204" pitchFamily="49" charset="0"/>
+              </a:rPr>
+              <a:t> ‘</a:t>
             </a:r>
             <a:r>
               <a:rPr lang="en-US" altLang="ko-KR" b="0" dirty="0">
@@ -5113,7 +5199,7 @@
         <p:push/>
       </p:transition>
     </mc:Choice>
-    <mc:Fallback xmlns:dsp="http://schemas.microsoft.com/office/drawing/2008/diagram" xmlns:dgm="http://schemas.openxmlformats.org/drawingml/2006/diagram" xmlns:c="http://schemas.openxmlformats.org/drawingml/2006/chart" xmlns="">
+    <mc:Fallback xmlns="" xmlns:c="http://schemas.openxmlformats.org/drawingml/2006/chart" xmlns:dgm="http://schemas.openxmlformats.org/drawingml/2006/diagram" xmlns:dsp="http://schemas.microsoft.com/office/drawing/2008/diagram">
       <p:transition xmlns:mc="http://schemas.openxmlformats.org/markup-compatibility/2006" xmlns:hp="http://schemas.haansoft.com/office/presentation/8.0" spd="med" mc:Ignorable="hp" hp:hslDur="1000">
         <p:fade/>
       </p:transition>
@@ -5294,7 +5380,7 @@
         <p:push/>
       </p:transition>
     </mc:Choice>
-    <mc:Fallback xmlns:dsp="http://schemas.microsoft.com/office/drawing/2008/diagram" xmlns:dgm="http://schemas.openxmlformats.org/drawingml/2006/diagram" xmlns:c="http://schemas.openxmlformats.org/drawingml/2006/chart" xmlns="">
+    <mc:Fallback xmlns="" xmlns:c="http://schemas.openxmlformats.org/drawingml/2006/chart" xmlns:dgm="http://schemas.openxmlformats.org/drawingml/2006/diagram" xmlns:dsp="http://schemas.microsoft.com/office/drawing/2008/diagram">
       <p:transition xmlns:mc="http://schemas.openxmlformats.org/markup-compatibility/2006" xmlns:hp="http://schemas.haansoft.com/office/presentation/8.0" spd="med" mc:Ignorable="hp" hp:hslDur="1000">
         <p:fade/>
       </p:transition>
@@ -5432,7 +5518,7 @@
         <p:push/>
       </p:transition>
     </mc:Choice>
-    <mc:Fallback xmlns:dsp="http://schemas.microsoft.com/office/drawing/2008/diagram" xmlns:dgm="http://schemas.openxmlformats.org/drawingml/2006/diagram" xmlns:c="http://schemas.openxmlformats.org/drawingml/2006/chart" xmlns="">
+    <mc:Fallback xmlns="" xmlns:c="http://schemas.openxmlformats.org/drawingml/2006/chart" xmlns:dgm="http://schemas.openxmlformats.org/drawingml/2006/diagram" xmlns:dsp="http://schemas.microsoft.com/office/drawing/2008/diagram">
       <p:transition xmlns:mc="http://schemas.openxmlformats.org/markup-compatibility/2006" xmlns:hp="http://schemas.haansoft.com/office/presentation/8.0" spd="med" mc:Ignorable="hp" hp:hslDur="1000">
         <p:fade/>
       </p:transition>
@@ -6679,7 +6765,7 @@
         <p:push/>
       </p:transition>
     </mc:Choice>
-    <mc:Fallback xmlns:dsp="http://schemas.microsoft.com/office/drawing/2008/diagram" xmlns:dgm="http://schemas.openxmlformats.org/drawingml/2006/diagram" xmlns:c="http://schemas.openxmlformats.org/drawingml/2006/chart" xmlns="">
+    <mc:Fallback xmlns="" xmlns:c="http://schemas.openxmlformats.org/drawingml/2006/chart" xmlns:dgm="http://schemas.openxmlformats.org/drawingml/2006/diagram" xmlns:dsp="http://schemas.microsoft.com/office/drawing/2008/diagram">
       <p:transition xmlns:mc="http://schemas.openxmlformats.org/markup-compatibility/2006" xmlns:hp="http://schemas.haansoft.com/office/presentation/8.0" spd="med" mc:Ignorable="hp" hp:hslDur="1000">
         <p:fade/>
       </p:transition>
@@ -7127,7 +7213,7 @@
         <p:push/>
       </p:transition>
     </mc:Choice>
-    <mc:Fallback xmlns:dsp="http://schemas.microsoft.com/office/drawing/2008/diagram" xmlns:dgm="http://schemas.openxmlformats.org/drawingml/2006/diagram" xmlns:c="http://schemas.openxmlformats.org/drawingml/2006/chart" xmlns="">
+    <mc:Fallback xmlns="" xmlns:c="http://schemas.openxmlformats.org/drawingml/2006/chart" xmlns:dgm="http://schemas.openxmlformats.org/drawingml/2006/diagram" xmlns:dsp="http://schemas.microsoft.com/office/drawing/2008/diagram">
       <p:transition xmlns:mc="http://schemas.openxmlformats.org/markup-compatibility/2006" xmlns:hp="http://schemas.haansoft.com/office/presentation/8.0" spd="med" mc:Ignorable="hp" hp:hslDur="1000">
         <p:fade/>
       </p:transition>
@@ -8039,7 +8125,7 @@
         <p:push/>
       </p:transition>
     </mc:Choice>
-    <mc:Fallback xmlns:dsp="http://schemas.microsoft.com/office/drawing/2008/diagram" xmlns:dgm="http://schemas.openxmlformats.org/drawingml/2006/diagram" xmlns:c="http://schemas.openxmlformats.org/drawingml/2006/chart" xmlns="">
+    <mc:Fallback xmlns="" xmlns:c="http://schemas.openxmlformats.org/drawingml/2006/chart" xmlns:dgm="http://schemas.openxmlformats.org/drawingml/2006/diagram" xmlns:dsp="http://schemas.microsoft.com/office/drawing/2008/diagram">
       <p:transition xmlns:mc="http://schemas.openxmlformats.org/markup-compatibility/2006" xmlns:hp="http://schemas.haansoft.com/office/presentation/8.0" spd="med" mc:Ignorable="hp" hp:hslDur="1000">
         <p:fade/>
       </p:transition>
@@ -8256,7 +8342,7 @@
         <p:push/>
       </p:transition>
     </mc:Choice>
-    <mc:Fallback xmlns:dsp="http://schemas.microsoft.com/office/drawing/2008/diagram" xmlns:dgm="http://schemas.openxmlformats.org/drawingml/2006/diagram" xmlns:c="http://schemas.openxmlformats.org/drawingml/2006/chart" xmlns="">
+    <mc:Fallback xmlns="" xmlns:c="http://schemas.openxmlformats.org/drawingml/2006/chart" xmlns:dgm="http://schemas.openxmlformats.org/drawingml/2006/diagram" xmlns:dsp="http://schemas.microsoft.com/office/drawing/2008/diagram">
       <p:transition xmlns:mc="http://schemas.openxmlformats.org/markup-compatibility/2006" xmlns:hp="http://schemas.haansoft.com/office/presentation/8.0" spd="med" mc:Ignorable="hp" hp:hslDur="1000">
         <p:fade/>
       </p:transition>
@@ -8597,7 +8683,7 @@
         <p:push/>
       </p:transition>
     </mc:Choice>
-    <mc:Fallback xmlns:dsp="http://schemas.microsoft.com/office/drawing/2008/diagram" xmlns:dgm="http://schemas.openxmlformats.org/drawingml/2006/diagram" xmlns:c="http://schemas.openxmlformats.org/drawingml/2006/chart" xmlns="">
+    <mc:Fallback xmlns="" xmlns:c="http://schemas.openxmlformats.org/drawingml/2006/chart" xmlns:dgm="http://schemas.openxmlformats.org/drawingml/2006/diagram" xmlns:dsp="http://schemas.microsoft.com/office/drawing/2008/diagram">
       <p:transition xmlns:mc="http://schemas.openxmlformats.org/markup-compatibility/2006" xmlns:hp="http://schemas.haansoft.com/office/presentation/8.0" spd="med" mc:Ignorable="hp" hp:hslDur="1000">
         <p:fade/>
       </p:transition>
@@ -8784,7 +8870,7 @@
         <p:push/>
       </p:transition>
     </mc:Choice>
-    <mc:Fallback xmlns:dsp="http://schemas.microsoft.com/office/drawing/2008/diagram" xmlns:dgm="http://schemas.openxmlformats.org/drawingml/2006/diagram" xmlns:c="http://schemas.openxmlformats.org/drawingml/2006/chart" xmlns="">
+    <mc:Fallback xmlns="" xmlns:c="http://schemas.openxmlformats.org/drawingml/2006/chart" xmlns:dgm="http://schemas.openxmlformats.org/drawingml/2006/diagram" xmlns:dsp="http://schemas.microsoft.com/office/drawing/2008/diagram">
       <p:transition xmlns:mc="http://schemas.openxmlformats.org/markup-compatibility/2006" xmlns:hp="http://schemas.haansoft.com/office/presentation/8.0" spd="med" mc:Ignorable="hp" hp:hslDur="1000">
         <p:fade/>
       </p:transition>
